--- a/cpu/cpu.pptx
+++ b/cpu/cpu.pptx
@@ -10,6 +10,7 @@
   <p:sldIdLst>
     <p:sldId id="256" r:id="rId8"/>
     <p:sldId id="257" r:id="rId9"/>
+    <p:sldId id="258" r:id="rId10"/>
   </p:sldIdLst>
   <p:sldSz cx="24384000" cy="13716000"/>
   <p:notesSz cx="6858000" cy="9144000"/>
@@ -5546,7 +5547,7 @@
                       <a:pPr defTabSz="914400"/>
                       <a:r>
                         <a:rPr sz="5000"/>
-                        <a:t>100京回</a:t>
+                        <a:t>44京回</a:t>
                       </a:r>
                     </a:p>
                   </a:txBody>
@@ -5692,7 +5693,7 @@
                           <a:cs typeface="+mn-cs"/>
                           <a:sym typeface="ヒラギノ角ゴ ProN W6"/>
                         </a:rPr>
-                        <a:t>200億台分</a:t>
+                        <a:t>88億台分</a:t>
                       </a:r>
                     </a:p>
                   </a:txBody>
@@ -5944,8 +5945,8 @@
         </p:blipFill>
         <p:spPr>
           <a:xfrm>
-            <a:off x="1617772" y="1723444"/>
-            <a:ext cx="3038935" cy="1845348"/>
+            <a:off x="1428896" y="1494058"/>
+            <a:ext cx="3416688" cy="2074734"/>
           </a:xfrm>
           <a:prstGeom prst="rect">
             <a:avLst/>
@@ -6121,6 +6122,961 @@
           <a:xfrm>
             <a:off x="7725710" y="1135210"/>
             <a:ext cx="2455226" cy="3021816"/>
+          </a:xfrm>
+          <a:prstGeom prst="rect">
+            <a:avLst/>
+          </a:prstGeom>
+          <a:ln w="12700">
+            <a:miter lim="400000"/>
+          </a:ln>
+        </p:spPr>
+      </p:pic>
+    </p:spTree>
+  </p:cSld>
+  <p:clrMapOvr>
+    <a:masterClrMapping/>
+  </p:clrMapOvr>
+  <p:transition xmlns:p14="http://schemas.microsoft.com/office/powerpoint/2010/main" spd="med" advClick="1"/>
+</p:sld>
+</file>
+
+<file path=ppt/slides/slide3.xml><?xml version="1.0" encoding="utf-8"?>
+<p:sld xmlns:a="http://schemas.openxmlformats.org/drawingml/2006/main" xmlns:r="http://schemas.openxmlformats.org/officeDocument/2006/relationships" xmlns:p="http://schemas.openxmlformats.org/presentationml/2006/main" xmlns:m="http://schemas.openxmlformats.org/officeDocument/2006/math" xmlns:a14="http://schemas.microsoft.com/office/drawing/2010/main" showMasterSp="1" showMasterPhAnim="1">
+  <p:cSld>
+    <p:spTree>
+      <p:nvGrpSpPr>
+        <p:cNvPr id="1" name=""/>
+        <p:cNvGrpSpPr/>
+        <p:nvPr/>
+      </p:nvGrpSpPr>
+      <p:grpSpPr>
+        <a:xfrm>
+          <a:off x="0" y="0"/>
+          <a:ext cx="0" cy="0"/>
+          <a:chOff x="0" y="0"/>
+          <a:chExt cx="0" cy="0"/>
+        </a:xfrm>
+      </p:grpSpPr>
+      <p:graphicFrame>
+        <p:nvGraphicFramePr>
+          <p:cNvPr id="182" name="表"/>
+          <p:cNvGraphicFramePr/>
+          <p:nvPr/>
+        </p:nvGraphicFramePr>
+        <p:xfrm>
+          <a:off x="288028" y="575270"/>
+          <a:ext cx="23807943" cy="12632739"/>
+        </p:xfrm>
+        <a:graphic xmlns:a="http://schemas.openxmlformats.org/drawingml/2006/main">
+          <a:graphicData uri="http://schemas.openxmlformats.org/drawingml/2006/table">
+            <a:tbl>
+              <a:tblPr firstCol="0" firstRow="0" lastCol="0" lastRow="0" bandCol="0" bandRow="1" rtl="0">
+                <a:tableStyleId>{4C3C2611-4C71-4FC5-86AE-919BDF0F9419}</a:tableStyleId>
+              </a:tblPr>
+              <a:tblGrid>
+                <a:gridCol w="5951985"/>
+                <a:gridCol w="5951985"/>
+                <a:gridCol w="5951985"/>
+                <a:gridCol w="5951985"/>
+              </a:tblGrid>
+              <a:tr h="4330712">
+                <a:tc>
+                  <a:txBody>
+                    <a:bodyPr/>
+                    <a:lstStyle/>
+                    <a:p>
+                      <a:pPr defTabSz="914400">
+                        <a:defRPr sz="2600"/>
+                      </a:pPr>
+                    </a:p>
+                  </a:txBody>
+                  <a:tcPr marL="50800" marR="50800" marT="50800" marB="50800" anchor="ctr" anchorCtr="0" horzOverflow="overflow">
+                    <a:lnL w="12700">
+                      <a:miter lim="400000"/>
+                    </a:lnL>
+                    <a:lnR w="12700">
+                      <a:miter lim="400000"/>
+                    </a:lnR>
+                    <a:lnT w="12700">
+                      <a:miter lim="400000"/>
+                    </a:lnT>
+                    <a:lnB w="12700">
+                      <a:miter lim="400000"/>
+                    </a:lnB>
+                    <a:solidFill>
+                      <a:srgbClr val="FFFFFF"/>
+                    </a:solidFill>
+                  </a:tcPr>
+                </a:tc>
+                <a:tc>
+                  <a:txBody>
+                    <a:bodyPr/>
+                    <a:lstStyle/>
+                    <a:p>
+                      <a:pPr defTabSz="914400">
+                        <a:defRPr sz="2600"/>
+                      </a:pPr>
+                    </a:p>
+                  </a:txBody>
+                  <a:tcPr marL="50800" marR="50800" marT="50800" marB="50800" anchor="ctr" anchorCtr="0" horzOverflow="overflow">
+                    <a:lnL w="12700">
+                      <a:miter lim="400000"/>
+                    </a:lnL>
+                    <a:lnR w="12700">
+                      <a:miter lim="400000"/>
+                    </a:lnR>
+                    <a:lnT w="12700">
+                      <a:miter lim="400000"/>
+                    </a:lnT>
+                    <a:lnB w="12700">
+                      <a:miter lim="400000"/>
+                    </a:lnB>
+                    <a:solidFill>
+                      <a:srgbClr val="FFFFFF"/>
+                    </a:solidFill>
+                  </a:tcPr>
+                </a:tc>
+                <a:tc>
+                  <a:txBody>
+                    <a:bodyPr/>
+                    <a:lstStyle/>
+                    <a:p>
+                      <a:pPr defTabSz="914400">
+                        <a:defRPr sz="2600"/>
+                      </a:pPr>
+                    </a:p>
+                  </a:txBody>
+                  <a:tcPr marL="50800" marR="50800" marT="50800" marB="50800" anchor="ctr" anchorCtr="0" horzOverflow="overflow">
+                    <a:lnL w="12700">
+                      <a:miter lim="400000"/>
+                    </a:lnL>
+                    <a:lnR w="12700">
+                      <a:miter lim="400000"/>
+                    </a:lnR>
+                    <a:lnT w="12700">
+                      <a:miter lim="400000"/>
+                    </a:lnT>
+                    <a:lnB w="12700">
+                      <a:miter lim="400000"/>
+                    </a:lnB>
+                    <a:solidFill>
+                      <a:srgbClr val="FFFFFF"/>
+                    </a:solidFill>
+                  </a:tcPr>
+                </a:tc>
+                <a:tc>
+                  <a:txBody>
+                    <a:bodyPr/>
+                    <a:lstStyle/>
+                    <a:p>
+                      <a:pPr defTabSz="914400">
+                        <a:defRPr sz="2600"/>
+                      </a:pPr>
+                    </a:p>
+                  </a:txBody>
+                  <a:tcPr marL="50800" marR="50800" marT="50800" marB="50800" anchor="ctr" anchorCtr="0" horzOverflow="overflow">
+                    <a:lnL w="12700">
+                      <a:miter lim="400000"/>
+                    </a:lnL>
+                    <a:lnR w="12700">
+                      <a:miter lim="400000"/>
+                    </a:lnR>
+                    <a:lnT w="12700">
+                      <a:miter lim="400000"/>
+                    </a:lnT>
+                    <a:lnB w="12700">
+                      <a:miter lim="400000"/>
+                    </a:lnB>
+                    <a:solidFill>
+                      <a:srgbClr val="FFFFFF"/>
+                    </a:solidFill>
+                  </a:tcPr>
+                </a:tc>
+              </a:tr>
+              <a:tr h="2145796">
+                <a:tc>
+                  <a:txBody>
+                    <a:bodyPr/>
+                    <a:lstStyle/>
+                    <a:p>
+                      <a:pPr defTabSz="914400"/>
+                      <a:r>
+                        <a:rPr sz="5000"/>
+                        <a:t>IchigoJam R</a:t>
+                      </a:r>
+                    </a:p>
+                  </a:txBody>
+                  <a:tcPr marL="50800" marR="50800" marT="50800" marB="50800" anchor="ctr" anchorCtr="0" horzOverflow="overflow">
+                    <a:lnL w="12700">
+                      <a:miter lim="400000"/>
+                    </a:lnL>
+                    <a:lnR w="12700">
+                      <a:miter lim="400000"/>
+                    </a:lnR>
+                    <a:lnT w="12700">
+                      <a:miter lim="400000"/>
+                    </a:lnT>
+                    <a:lnB w="12700">
+                      <a:miter lim="400000"/>
+                    </a:lnB>
+                  </a:tcPr>
+                </a:tc>
+                <a:tc>
+                  <a:txBody>
+                    <a:bodyPr/>
+                    <a:lstStyle/>
+                    <a:p>
+                      <a:pPr defTabSz="914400"/>
+                      <a:r>
+                        <a:rPr sz="5000"/>
+                        <a:t>iPhone 14 Pro</a:t>
+                      </a:r>
+                    </a:p>
+                  </a:txBody>
+                  <a:tcPr marL="50800" marR="50800" marT="50800" marB="50800" anchor="ctr" anchorCtr="0" horzOverflow="overflow">
+                    <a:lnL w="12700">
+                      <a:miter lim="400000"/>
+                    </a:lnL>
+                    <a:lnR w="12700">
+                      <a:miter lim="400000"/>
+                    </a:lnR>
+                    <a:lnT w="12700">
+                      <a:miter lim="400000"/>
+                    </a:lnT>
+                    <a:lnB w="12700">
+                      <a:miter lim="400000"/>
+                    </a:lnB>
+                  </a:tcPr>
+                </a:tc>
+                <a:tc>
+                  <a:txBody>
+                    <a:bodyPr/>
+                    <a:lstStyle/>
+                    <a:p>
+                      <a:pPr defTabSz="914400"/>
+                      <a:r>
+                        <a:rPr sz="5000"/>
+                        <a:t>NVIDIA A-100</a:t>
+                      </a:r>
+                    </a:p>
+                  </a:txBody>
+                  <a:tcPr marL="50800" marR="50800" marT="50800" marB="50800" anchor="ctr" anchorCtr="0" horzOverflow="overflow">
+                    <a:lnL w="12700">
+                      <a:miter lim="400000"/>
+                    </a:lnL>
+                    <a:lnR w="12700">
+                      <a:miter lim="400000"/>
+                    </a:lnR>
+                    <a:lnT w="12700">
+                      <a:miter lim="400000"/>
+                    </a:lnT>
+                    <a:lnB w="12700">
+                      <a:miter lim="400000"/>
+                    </a:lnB>
+                  </a:tcPr>
+                </a:tc>
+                <a:tc>
+                  <a:txBody>
+                    <a:bodyPr/>
+                    <a:lstStyle/>
+                    <a:p>
+                      <a:pPr defTabSz="914400"/>
+                      <a:r>
+                        <a:rPr sz="5000"/>
+                        <a:t>スパコン 富岳</a:t>
+                      </a:r>
+                    </a:p>
+                  </a:txBody>
+                  <a:tcPr marL="50800" marR="50800" marT="50800" marB="50800" anchor="ctr" anchorCtr="0" horzOverflow="overflow">
+                    <a:lnL w="12700">
+                      <a:miter lim="400000"/>
+                    </a:lnL>
+                    <a:lnR w="12700">
+                      <a:miter lim="400000"/>
+                    </a:lnR>
+                    <a:lnT w="12700">
+                      <a:miter lim="400000"/>
+                    </a:lnT>
+                    <a:lnB w="12700">
+                      <a:miter lim="400000"/>
+                    </a:lnB>
+                  </a:tcPr>
+                </a:tc>
+              </a:tr>
+              <a:tr h="2095647">
+                <a:tc>
+                  <a:txBody>
+                    <a:bodyPr/>
+                    <a:lstStyle/>
+                    <a:p>
+                      <a:pPr defTabSz="914400"/>
+                      <a:r>
+                        <a:rPr sz="5000"/>
+                        <a:t>1億回</a:t>
+                      </a:r>
+                    </a:p>
+                  </a:txBody>
+                  <a:tcPr marL="50800" marR="50800" marT="50800" marB="50800" anchor="ctr" anchorCtr="0" horzOverflow="overflow">
+                    <a:lnL w="12700">
+                      <a:miter lim="400000"/>
+                    </a:lnL>
+                    <a:lnR w="12700">
+                      <a:miter lim="400000"/>
+                    </a:lnR>
+                    <a:lnT w="12700">
+                      <a:miter lim="400000"/>
+                    </a:lnT>
+                    <a:lnB w="12700">
+                      <a:miter lim="400000"/>
+                    </a:lnB>
+                    <a:solidFill>
+                      <a:srgbClr val="FFFFFF"/>
+                    </a:solidFill>
+                  </a:tcPr>
+                </a:tc>
+                <a:tc>
+                  <a:txBody>
+                    <a:bodyPr/>
+                    <a:lstStyle/>
+                    <a:p>
+                      <a:pPr defTabSz="914400"/>
+                      <a:r>
+                        <a:rPr sz="5000"/>
+                        <a:t>17兆回</a:t>
+                      </a:r>
+                    </a:p>
+                  </a:txBody>
+                  <a:tcPr marL="50800" marR="50800" marT="50800" marB="50800" anchor="ctr" anchorCtr="0" horzOverflow="overflow">
+                    <a:lnL w="12700">
+                      <a:miter lim="400000"/>
+                    </a:lnL>
+                    <a:lnR w="12700">
+                      <a:miter lim="400000"/>
+                    </a:lnR>
+                    <a:lnT w="12700">
+                      <a:miter lim="400000"/>
+                    </a:lnT>
+                    <a:lnB w="12700">
+                      <a:miter lim="400000"/>
+                    </a:lnB>
+                    <a:solidFill>
+                      <a:srgbClr val="FFFFFF"/>
+                    </a:solidFill>
+                  </a:tcPr>
+                </a:tc>
+                <a:tc>
+                  <a:txBody>
+                    <a:bodyPr/>
+                    <a:lstStyle/>
+                    <a:p>
+                      <a:pPr defTabSz="914400"/>
+                      <a:r>
+                        <a:rPr sz="5000"/>
+                        <a:t>1200兆回</a:t>
+                      </a:r>
+                    </a:p>
+                  </a:txBody>
+                  <a:tcPr marL="50800" marR="50800" marT="50800" marB="50800" anchor="ctr" anchorCtr="0" horzOverflow="overflow">
+                    <a:lnL w="12700">
+                      <a:miter lim="400000"/>
+                    </a:lnL>
+                    <a:lnR w="12700">
+                      <a:miter lim="400000"/>
+                    </a:lnR>
+                    <a:lnT w="12700">
+                      <a:miter lim="400000"/>
+                    </a:lnT>
+                    <a:lnB w="12700">
+                      <a:miter lim="400000"/>
+                    </a:lnB>
+                    <a:solidFill>
+                      <a:srgbClr val="FFFFFF"/>
+                    </a:solidFill>
+                  </a:tcPr>
+                </a:tc>
+                <a:tc>
+                  <a:txBody>
+                    <a:bodyPr/>
+                    <a:lstStyle/>
+                    <a:p>
+                      <a:pPr defTabSz="914400"/>
+                      <a:r>
+                        <a:rPr sz="5000"/>
+                        <a:t>44京回</a:t>
+                      </a:r>
+                    </a:p>
+                  </a:txBody>
+                  <a:tcPr marL="50800" marR="50800" marT="50800" marB="50800" anchor="ctr" anchorCtr="0" horzOverflow="overflow">
+                    <a:lnL w="12700">
+                      <a:miter lim="400000"/>
+                    </a:lnL>
+                    <a:lnR w="12700">
+                      <a:miter lim="400000"/>
+                    </a:lnR>
+                    <a:lnT w="12700">
+                      <a:miter lim="400000"/>
+                    </a:lnT>
+                    <a:lnB w="12700">
+                      <a:miter lim="400000"/>
+                    </a:lnB>
+                    <a:solidFill>
+                      <a:srgbClr val="FFFFFF"/>
+                    </a:solidFill>
+                  </a:tcPr>
+                </a:tc>
+              </a:tr>
+              <a:tr h="2136283">
+                <a:tc>
+                  <a:txBody>
+                    <a:bodyPr/>
+                    <a:lstStyle/>
+                    <a:p>
+                      <a:pPr defTabSz="914400"/>
+                      <a:r>
+                        <a:rPr sz="5000">
+                          <a:solidFill>
+                            <a:srgbClr val="C82506"/>
+                          </a:solidFill>
+                          <a:latin typeface="+mn-lt"/>
+                          <a:ea typeface="+mn-ea"/>
+                          <a:cs typeface="+mn-cs"/>
+                          <a:sym typeface="ヒラギノ角ゴ ProN W6"/>
+                        </a:rPr>
+                        <a:t>IchigoJam
+何台分？→</a:t>
+                      </a:r>
+                    </a:p>
+                  </a:txBody>
+                  <a:tcPr marL="50800" marR="50800" marT="50800" marB="50800" anchor="ctr" anchorCtr="0" horzOverflow="overflow">
+                    <a:lnL w="12700">
+                      <a:miter lim="400000"/>
+                    </a:lnL>
+                    <a:lnR w="12700">
+                      <a:miter lim="400000"/>
+                    </a:lnR>
+                    <a:lnT w="12700">
+                      <a:miter lim="400000"/>
+                    </a:lnT>
+                    <a:lnB w="12700">
+                      <a:miter lim="400000"/>
+                    </a:lnB>
+                  </a:tcPr>
+                </a:tc>
+                <a:tc>
+                  <a:txBody>
+                    <a:bodyPr/>
+                    <a:lstStyle/>
+                    <a:p>
+                      <a:pPr defTabSz="914400"/>
+                      <a:r>
+                        <a:rPr sz="5000">
+                          <a:solidFill>
+                            <a:srgbClr val="C82506"/>
+                          </a:solidFill>
+                          <a:latin typeface="+mn-lt"/>
+                          <a:ea typeface="+mn-ea"/>
+                          <a:cs typeface="+mn-cs"/>
+                          <a:sym typeface="ヒラギノ角ゴ ProN W6"/>
+                        </a:rPr>
+                        <a:t>17万台分</a:t>
+                      </a:r>
+                    </a:p>
+                  </a:txBody>
+                  <a:tcPr marL="50800" marR="50800" marT="50800" marB="50800" anchor="ctr" anchorCtr="0" horzOverflow="overflow">
+                    <a:lnL w="12700">
+                      <a:miter lim="400000"/>
+                    </a:lnL>
+                    <a:lnR w="12700">
+                      <a:miter lim="400000"/>
+                    </a:lnR>
+                    <a:lnT w="12700">
+                      <a:miter lim="400000"/>
+                    </a:lnT>
+                    <a:lnB w="12700">
+                      <a:miter lim="400000"/>
+                    </a:lnB>
+                  </a:tcPr>
+                </a:tc>
+                <a:tc>
+                  <a:txBody>
+                    <a:bodyPr/>
+                    <a:lstStyle/>
+                    <a:p>
+                      <a:pPr defTabSz="914400"/>
+                      <a:r>
+                        <a:rPr sz="5000">
+                          <a:solidFill>
+                            <a:srgbClr val="C82506"/>
+                          </a:solidFill>
+                          <a:latin typeface="+mn-lt"/>
+                          <a:ea typeface="+mn-ea"/>
+                          <a:cs typeface="+mn-cs"/>
+                          <a:sym typeface="ヒラギノ角ゴ ProN W6"/>
+                        </a:rPr>
+                        <a:t>1200万台分</a:t>
+                      </a:r>
+                    </a:p>
+                  </a:txBody>
+                  <a:tcPr marL="50800" marR="50800" marT="50800" marB="50800" anchor="ctr" anchorCtr="0" horzOverflow="overflow">
+                    <a:lnL w="12700">
+                      <a:miter lim="400000"/>
+                    </a:lnL>
+                    <a:lnR w="12700">
+                      <a:miter lim="400000"/>
+                    </a:lnR>
+                    <a:lnT w="12700">
+                      <a:miter lim="400000"/>
+                    </a:lnT>
+                    <a:lnB w="12700">
+                      <a:miter lim="400000"/>
+                    </a:lnB>
+                  </a:tcPr>
+                </a:tc>
+                <a:tc>
+                  <a:txBody>
+                    <a:bodyPr/>
+                    <a:lstStyle/>
+                    <a:p>
+                      <a:pPr defTabSz="914400"/>
+                      <a:r>
+                        <a:rPr sz="5000">
+                          <a:solidFill>
+                            <a:srgbClr val="C82506"/>
+                          </a:solidFill>
+                          <a:latin typeface="+mn-lt"/>
+                          <a:ea typeface="+mn-ea"/>
+                          <a:cs typeface="+mn-cs"/>
+                          <a:sym typeface="ヒラギノ角ゴ ProN W6"/>
+                        </a:rPr>
+                        <a:t>44億台分</a:t>
+                      </a:r>
+                    </a:p>
+                  </a:txBody>
+                  <a:tcPr marL="50800" marR="50800" marT="50800" marB="50800" anchor="ctr" anchorCtr="0" horzOverflow="overflow">
+                    <a:lnL w="12700">
+                      <a:miter lim="400000"/>
+                    </a:lnL>
+                    <a:lnR w="12700">
+                      <a:miter lim="400000"/>
+                    </a:lnR>
+                    <a:lnT w="12700">
+                      <a:miter lim="400000"/>
+                    </a:lnT>
+                    <a:lnB w="12700">
+                      <a:miter lim="400000"/>
+                    </a:lnB>
+                  </a:tcPr>
+                </a:tc>
+              </a:tr>
+              <a:tr h="1924298">
+                <a:tc>
+                  <a:txBody>
+                    <a:bodyPr/>
+                    <a:lstStyle/>
+                    <a:p>
+                      <a:pPr defTabSz="914400"/>
+                      <a:r>
+                        <a:rPr sz="5000"/>
+                        <a:t>2000円</a:t>
+                      </a:r>
+                    </a:p>
+                  </a:txBody>
+                  <a:tcPr marL="50800" marR="50800" marT="50800" marB="50800" anchor="ctr" anchorCtr="0" horzOverflow="overflow">
+                    <a:lnL w="12700">
+                      <a:miter lim="400000"/>
+                    </a:lnL>
+                    <a:lnR w="12700">
+                      <a:miter lim="400000"/>
+                    </a:lnR>
+                    <a:lnT w="12700">
+                      <a:miter lim="400000"/>
+                    </a:lnT>
+                    <a:lnB w="12700">
+                      <a:miter lim="400000"/>
+                    </a:lnB>
+                    <a:solidFill>
+                      <a:srgbClr val="FFFFFF"/>
+                    </a:solidFill>
+                  </a:tcPr>
+                </a:tc>
+                <a:tc>
+                  <a:txBody>
+                    <a:bodyPr/>
+                    <a:lstStyle/>
+                    <a:p>
+                      <a:pPr defTabSz="914400"/>
+                      <a:r>
+                        <a:rPr sz="5000"/>
+                        <a:t>15万円</a:t>
+                      </a:r>
+                    </a:p>
+                  </a:txBody>
+                  <a:tcPr marL="50800" marR="50800" marT="50800" marB="50800" anchor="ctr" anchorCtr="0" horzOverflow="overflow">
+                    <a:lnL w="12700">
+                      <a:miter lim="400000"/>
+                    </a:lnL>
+                    <a:lnR w="12700">
+                      <a:miter lim="400000"/>
+                    </a:lnR>
+                    <a:lnT w="12700">
+                      <a:miter lim="400000"/>
+                    </a:lnT>
+                    <a:lnB w="12700">
+                      <a:miter lim="400000"/>
+                    </a:lnB>
+                    <a:solidFill>
+                      <a:srgbClr val="FFFFFF"/>
+                    </a:solidFill>
+                  </a:tcPr>
+                </a:tc>
+                <a:tc>
+                  <a:txBody>
+                    <a:bodyPr/>
+                    <a:lstStyle/>
+                    <a:p>
+                      <a:pPr defTabSz="914400"/>
+                      <a:r>
+                        <a:rPr sz="5000"/>
+                        <a:t>200万円</a:t>
+                      </a:r>
+                    </a:p>
+                  </a:txBody>
+                  <a:tcPr marL="50800" marR="50800" marT="50800" marB="50800" anchor="ctr" anchorCtr="0" horzOverflow="overflow">
+                    <a:lnL w="12700">
+                      <a:miter lim="400000"/>
+                    </a:lnL>
+                    <a:lnR w="12700">
+                      <a:miter lim="400000"/>
+                    </a:lnR>
+                    <a:lnT w="12700">
+                      <a:miter lim="400000"/>
+                    </a:lnT>
+                    <a:lnB w="12700">
+                      <a:miter lim="400000"/>
+                    </a:lnB>
+                    <a:solidFill>
+                      <a:srgbClr val="FFFFFF"/>
+                    </a:solidFill>
+                  </a:tcPr>
+                </a:tc>
+                <a:tc>
+                  <a:txBody>
+                    <a:bodyPr/>
+                    <a:lstStyle/>
+                    <a:p>
+                      <a:pPr defTabSz="914400"/>
+                      <a:r>
+                        <a:rPr sz="5000"/>
+                        <a:t>1100億円</a:t>
+                      </a:r>
+                    </a:p>
+                  </a:txBody>
+                  <a:tcPr marL="50800" marR="50800" marT="50800" marB="50800" anchor="ctr" anchorCtr="0" horzOverflow="overflow">
+                    <a:lnL w="12700">
+                      <a:miter lim="400000"/>
+                    </a:lnL>
+                    <a:lnR w="12700">
+                      <a:miter lim="400000"/>
+                    </a:lnR>
+                    <a:lnT w="12700">
+                      <a:miter lim="400000"/>
+                    </a:lnT>
+                    <a:lnB w="12700">
+                      <a:miter lim="400000"/>
+                    </a:lnB>
+                    <a:solidFill>
+                      <a:srgbClr val="FFFFFF"/>
+                    </a:solidFill>
+                  </a:tcPr>
+                </a:tc>
+              </a:tr>
+            </a:tbl>
+          </a:graphicData>
+        </a:graphic>
+      </p:graphicFrame>
+      <p:sp>
+        <p:nvSpPr>
+          <p:cNvPr id="183" name="CC BY IchigoJam"/>
+          <p:cNvSpPr txBox="1"/>
+          <p:nvPr/>
+        </p:nvSpPr>
+        <p:spPr>
+          <a:xfrm>
+            <a:off x="2065805" y="4096122"/>
+            <a:ext cx="2270761" cy="355600"/>
+          </a:xfrm>
+          <a:prstGeom prst="rect">
+            <a:avLst/>
+          </a:prstGeom>
+          <a:ln w="12700">
+            <a:miter lim="400000"/>
+          </a:ln>
+          <a:extLst>
+            <a:ext uri="{C572A759-6A51-4108-AA02-DFA0A04FC94B}">
+              <ma14:wrappingTextBoxFlag xmlns:ma14="http://schemas.microsoft.com/office/mac/drawingml/2011/main" val="1"/>
+            </a:ext>
+          </a:extLst>
+        </p:spPr>
+        <p:txBody>
+          <a:bodyPr wrap="none" lIns="50800" tIns="50800" rIns="50800" bIns="50800" anchor="ctr">
+            <a:spAutoFit/>
+          </a:bodyPr>
+          <a:lstStyle>
+            <a:lvl1pPr defTabSz="584200">
+              <a:defRPr sz="2000">
+                <a:solidFill>
+                  <a:srgbClr val="000000"/>
+                </a:solidFill>
+              </a:defRPr>
+            </a:lvl1pPr>
+          </a:lstStyle>
+          <a:p>
+            <a:pPr/>
+            <a:r>
+              <a:t>CC BY IchigoJam</a:t>
+            </a:r>
+          </a:p>
+        </p:txBody>
+      </p:sp>
+      <p:sp>
+        <p:nvSpPr>
+          <p:cNvPr id="184" name="(C)Apple"/>
+          <p:cNvSpPr txBox="1"/>
+          <p:nvPr/>
+        </p:nvSpPr>
+        <p:spPr>
+          <a:xfrm>
+            <a:off x="8346009" y="4196392"/>
+            <a:ext cx="1214629" cy="355600"/>
+          </a:xfrm>
+          <a:prstGeom prst="rect">
+            <a:avLst/>
+          </a:prstGeom>
+          <a:ln w="12700">
+            <a:miter lim="400000"/>
+          </a:ln>
+          <a:extLst>
+            <a:ext uri="{C572A759-6A51-4108-AA02-DFA0A04FC94B}">
+              <ma14:wrappingTextBoxFlag xmlns:ma14="http://schemas.microsoft.com/office/mac/drawingml/2011/main" val="1"/>
+            </a:ext>
+          </a:extLst>
+        </p:spPr>
+        <p:txBody>
+          <a:bodyPr wrap="none" lIns="50800" tIns="50800" rIns="50800" bIns="50800" anchor="ctr">
+            <a:spAutoFit/>
+          </a:bodyPr>
+          <a:lstStyle>
+            <a:lvl1pPr defTabSz="584200">
+              <a:defRPr sz="2000">
+                <a:solidFill>
+                  <a:srgbClr val="000000"/>
+                </a:solidFill>
+              </a:defRPr>
+            </a:lvl1pPr>
+          </a:lstStyle>
+          <a:p>
+            <a:pPr/>
+            <a:r>
+              <a:t>(C)Apple</a:t>
+            </a:r>
+          </a:p>
+        </p:txBody>
+      </p:sp>
+      <p:sp>
+        <p:nvSpPr>
+          <p:cNvPr id="185" name="(C)NVIDIA"/>
+          <p:cNvSpPr txBox="1"/>
+          <p:nvPr/>
+        </p:nvSpPr>
+        <p:spPr>
+          <a:xfrm>
+            <a:off x="14830767" y="4268353"/>
+            <a:ext cx="1375411" cy="355601"/>
+          </a:xfrm>
+          <a:prstGeom prst="rect">
+            <a:avLst/>
+          </a:prstGeom>
+          <a:ln w="12700">
+            <a:miter lim="400000"/>
+          </a:ln>
+          <a:extLst>
+            <a:ext uri="{C572A759-6A51-4108-AA02-DFA0A04FC94B}">
+              <ma14:wrappingTextBoxFlag xmlns:ma14="http://schemas.microsoft.com/office/mac/drawingml/2011/main" val="1"/>
+            </a:ext>
+          </a:extLst>
+        </p:spPr>
+        <p:txBody>
+          <a:bodyPr wrap="none" lIns="50800" tIns="50800" rIns="50800" bIns="50800" anchor="ctr">
+            <a:spAutoFit/>
+          </a:bodyPr>
+          <a:lstStyle>
+            <a:lvl1pPr defTabSz="584200">
+              <a:defRPr sz="2000">
+                <a:solidFill>
+                  <a:srgbClr val="000000"/>
+                </a:solidFill>
+              </a:defRPr>
+            </a:lvl1pPr>
+          </a:lstStyle>
+          <a:p>
+            <a:pPr/>
+            <a:r>
+              <a:t>(C)NVIDIA</a:t>
+            </a:r>
+          </a:p>
+        </p:txBody>
+      </p:sp>
+      <p:pic>
+        <p:nvPicPr>
+          <p:cNvPr id="186" name="イメージ" descr="イメージ"/>
+          <p:cNvPicPr>
+            <a:picLocks noChangeAspect="1"/>
+          </p:cNvPicPr>
+          <p:nvPr/>
+        </p:nvPicPr>
+        <p:blipFill>
+          <a:blip r:embed="rId2">
+            <a:extLst/>
+          </a:blip>
+          <a:stretch>
+            <a:fillRect/>
+          </a:stretch>
+        </p:blipFill>
+        <p:spPr>
+          <a:xfrm>
+            <a:off x="18937549" y="1382880"/>
+            <a:ext cx="4395925" cy="2425086"/>
+          </a:xfrm>
+          <a:prstGeom prst="rect">
+            <a:avLst/>
+          </a:prstGeom>
+          <a:ln w="12700">
+            <a:miter lim="400000"/>
+          </a:ln>
+        </p:spPr>
+      </p:pic>
+      <p:sp>
+        <p:nvSpPr>
+          <p:cNvPr id="187" name="(C)RIKEN"/>
+          <p:cNvSpPr txBox="1"/>
+          <p:nvPr/>
+        </p:nvSpPr>
+        <p:spPr>
+          <a:xfrm>
+            <a:off x="20498352" y="4170228"/>
+            <a:ext cx="1274319" cy="355601"/>
+          </a:xfrm>
+          <a:prstGeom prst="rect">
+            <a:avLst/>
+          </a:prstGeom>
+          <a:ln w="12700">
+            <a:miter lim="400000"/>
+          </a:ln>
+          <a:extLst>
+            <a:ext uri="{C572A759-6A51-4108-AA02-DFA0A04FC94B}">
+              <ma14:wrappingTextBoxFlag xmlns:ma14="http://schemas.microsoft.com/office/mac/drawingml/2011/main" val="1"/>
+            </a:ext>
+          </a:extLst>
+        </p:spPr>
+        <p:txBody>
+          <a:bodyPr wrap="none" lIns="50800" tIns="50800" rIns="50800" bIns="50800" anchor="ctr">
+            <a:spAutoFit/>
+          </a:bodyPr>
+          <a:lstStyle>
+            <a:lvl1pPr defTabSz="584200">
+              <a:defRPr sz="2000">
+                <a:solidFill>
+                  <a:srgbClr val="000000"/>
+                </a:solidFill>
+              </a:defRPr>
+            </a:lvl1pPr>
+          </a:lstStyle>
+          <a:p>
+            <a:pPr/>
+            <a:r>
+              <a:t>(C)RIKEN</a:t>
+            </a:r>
+          </a:p>
+        </p:txBody>
+      </p:sp>
+      <p:pic>
+        <p:nvPicPr>
+          <p:cNvPr id="188" name="イメージ" descr="イメージ"/>
+          <p:cNvPicPr>
+            <a:picLocks noChangeAspect="1"/>
+          </p:cNvPicPr>
+          <p:nvPr/>
+        </p:nvPicPr>
+        <p:blipFill>
+          <a:blip r:embed="rId3">
+            <a:extLst/>
+          </a:blip>
+          <a:stretch>
+            <a:fillRect/>
+          </a:stretch>
+        </p:blipFill>
+        <p:spPr>
+          <a:xfrm>
+            <a:off x="13632465" y="943925"/>
+            <a:ext cx="3530601" cy="3175001"/>
+          </a:xfrm>
+          <a:prstGeom prst="rect">
+            <a:avLst/>
+          </a:prstGeom>
+          <a:ln w="12700">
+            <a:miter lim="400000"/>
+          </a:ln>
+        </p:spPr>
+      </p:pic>
+      <p:pic>
+        <p:nvPicPr>
+          <p:cNvPr id="189" name="イメージ" descr="イメージ"/>
+          <p:cNvPicPr>
+            <a:picLocks noChangeAspect="1"/>
+          </p:cNvPicPr>
+          <p:nvPr/>
+        </p:nvPicPr>
+        <p:blipFill>
+          <a:blip r:embed="rId4">
+            <a:extLst/>
+          </a:blip>
+          <a:stretch>
+            <a:fillRect/>
+          </a:stretch>
+        </p:blipFill>
+        <p:spPr>
+          <a:xfrm>
+            <a:off x="7725710" y="1135210"/>
+            <a:ext cx="2455226" cy="3021816"/>
+          </a:xfrm>
+          <a:prstGeom prst="rect">
+            <a:avLst/>
+          </a:prstGeom>
+          <a:ln w="12700">
+            <a:miter lim="400000"/>
+          </a:ln>
+        </p:spPr>
+      </p:pic>
+      <p:pic>
+        <p:nvPicPr>
+          <p:cNvPr id="190" name="イメージ" descr="イメージ"/>
+          <p:cNvPicPr>
+            <a:picLocks noChangeAspect="1"/>
+          </p:cNvPicPr>
+          <p:nvPr/>
+        </p:nvPicPr>
+        <p:blipFill>
+          <a:blip r:embed="rId5">
+            <a:extLst/>
+          </a:blip>
+          <a:stretch>
+            <a:fillRect/>
+          </a:stretch>
+        </p:blipFill>
+        <p:spPr>
+          <a:xfrm>
+            <a:off x="1191198" y="1463995"/>
+            <a:ext cx="3703983" cy="2364245"/>
           </a:xfrm>
           <a:prstGeom prst="rect">
             <a:avLst/>
